--- a/系统仿真-4-动态函数.pptx
+++ b/系统仿真-4-动态函数.pptx
@@ -259,7 +259,7 @@
                 <a:latin typeface="微软雅黑" panose="020B0503020204020204" pitchFamily="34" charset="-122"/>
                 <a:ea typeface="微软雅黑" panose="020B0503020204020204" pitchFamily="34" charset="-122"/>
               </a:rPr>
-              <a:t>2019年3月12日</a:t>
+              <a:t>2019年3月14日</a:t>
             </a:fld>
             <a:endParaRPr lang="zh-CN" altLang="en-US" dirty="0">
               <a:latin typeface="微软雅黑" panose="020B0503020204020204" pitchFamily="34" charset="-122"/>
@@ -451,7 +451,7 @@
             <a:fld id="{07D6BDDC-F39A-4E16-93D6-E40B88AA6D58}" type="datetime2">
               <a:rPr lang="zh-CN" altLang="en-US" smtClean="0"/>
               <a:pPr/>
-              <a:t>2019年3月12日</a:t>
+              <a:t>2019年3月14日</a:t>
             </a:fld>
             <a:endParaRPr lang="zh-CN" altLang="en-US" dirty="0"/>
           </a:p>
@@ -1769,7 +1769,7 @@
             <a:fld id="{4947C3F0-2957-4D41-9FB7-182757A04D67}" type="datetime2">
               <a:rPr lang="zh-CN" altLang="en-US" smtClean="0"/>
               <a:pPr/>
-              <a:t>2019年3月12日</a:t>
+              <a:t>2019年3月14日</a:t>
             </a:fld>
             <a:endParaRPr lang="zh-CN" altLang="en-US" dirty="0"/>
           </a:p>
@@ -2002,7 +2002,7 @@
             <a:fld id="{8DF8E148-EC1F-43A2-8C9E-1F57F6D08A76}" type="datetime2">
               <a:rPr lang="zh-CN" altLang="en-US" smtClean="0"/>
               <a:pPr/>
-              <a:t>2019年3月12日</a:t>
+              <a:t>2019年3月14日</a:t>
             </a:fld>
             <a:endParaRPr lang="zh-CN" altLang="en-US" dirty="0"/>
           </a:p>
@@ -2885,7 +2885,7 @@
             <a:fld id="{FB7B4C11-1E14-4887-9E78-A9346EC068F1}" type="datetime2">
               <a:rPr lang="zh-CN" altLang="en-US" smtClean="0"/>
               <a:pPr/>
-              <a:t>2019年3月12日</a:t>
+              <a:t>2019年3月14日</a:t>
             </a:fld>
             <a:endParaRPr lang="zh-CN" altLang="en-US" dirty="0"/>
           </a:p>
@@ -3144,7 +3144,7 @@
             <a:fld id="{86FD5D46-E987-42B2-B42C-B8920598FADE}" type="datetime2">
               <a:rPr lang="zh-CN" altLang="en-US" smtClean="0"/>
               <a:pPr/>
-              <a:t>2019年3月12日</a:t>
+              <a:t>2019年3月14日</a:t>
             </a:fld>
             <a:endParaRPr lang="zh-CN" altLang="en-US" dirty="0"/>
           </a:p>
@@ -4478,7 +4478,7 @@
             <a:fld id="{8365F240-A7EF-41C8-A85B-C448CF84B5E5}" type="datetime2">
               <a:rPr lang="zh-CN" altLang="en-US" smtClean="0"/>
               <a:pPr/>
-              <a:t>2019年3月12日</a:t>
+              <a:t>2019年3月14日</a:t>
             </a:fld>
             <a:endParaRPr lang="zh-CN" altLang="en-US" dirty="0"/>
           </a:p>
@@ -4813,7 +4813,7 @@
             <a:fld id="{F770B30E-8728-44DB-AEE3-E4A75AEDBBD9}" type="datetime2">
               <a:rPr lang="zh-CN" altLang="en-US" smtClean="0"/>
               <a:pPr/>
-              <a:t>2019年3月12日</a:t>
+              <a:t>2019年3月14日</a:t>
             </a:fld>
             <a:endParaRPr lang="zh-CN" altLang="en-US" dirty="0"/>
           </a:p>
@@ -5314,7 +5314,7 @@
             <a:fld id="{680BCF82-A51A-4389-A573-378AD02C5141}" type="datetime2">
               <a:rPr lang="zh-CN" altLang="en-US" smtClean="0"/>
               <a:pPr/>
-              <a:t>2019年3月12日</a:t>
+              <a:t>2019年3月14日</a:t>
             </a:fld>
             <a:endParaRPr lang="zh-CN" altLang="en-US" dirty="0"/>
           </a:p>
@@ -5469,7 +5469,7 @@
             <a:fld id="{CE03A716-E3DC-4D9D-823C-60FCD8C9B163}" type="datetime2">
               <a:rPr lang="zh-CN" altLang="en-US" smtClean="0"/>
               <a:pPr/>
-              <a:t>2019年3月12日</a:t>
+              <a:t>2019年3月14日</a:t>
             </a:fld>
             <a:endParaRPr lang="zh-CN" altLang="en-US" dirty="0"/>
           </a:p>
@@ -5829,7 +5829,7 @@
             <a:fld id="{C16B8A94-44E5-4844-A22C-F796FCAA90D9}" type="datetime2">
               <a:rPr lang="zh-CN" altLang="en-US" smtClean="0"/>
               <a:pPr/>
-              <a:t>2019年3月12日</a:t>
+              <a:t>2019年3月14日</a:t>
             </a:fld>
             <a:endParaRPr lang="zh-CN" altLang="en-US" dirty="0"/>
           </a:p>
@@ -6371,7 +6371,7 @@
             <a:fld id="{F288B2AC-AC0A-4E49-82A3-94EE74FA7FBF}" type="datetime2">
               <a:rPr lang="zh-CN" altLang="en-US" smtClean="0"/>
               <a:pPr/>
-              <a:t>2019年3月12日</a:t>
+              <a:t>2019年3月14日</a:t>
             </a:fld>
             <a:endParaRPr lang="zh-CN" altLang="en-US" dirty="0"/>
           </a:p>
@@ -6864,7 +6864,7 @@
             <a:fld id="{1878E339-1BD2-4FEE-A113-9A0301740CF6}" type="datetime2">
               <a:rPr lang="zh-CN" altLang="en-US" smtClean="0"/>
               <a:pPr/>
-              <a:t>2019年3月12日</a:t>
+              <a:t>2019年3月14日</a:t>
             </a:fld>
             <a:endParaRPr lang="zh-CN" altLang="en-US" dirty="0"/>
           </a:p>
@@ -7788,7 +7788,7 @@
             <a:fld id="{A339CB27-C670-4AAB-948C-7E3D1D9FAE30}" type="datetime2">
               <a:rPr lang="zh-CN" altLang="en-US" smtClean="0"/>
               <a:pPr/>
-              <a:t>2019年3月12日</a:t>
+              <a:t>2019年3月14日</a:t>
             </a:fld>
             <a:endParaRPr lang="zh-CN" altLang="en-US" dirty="0"/>
           </a:p>
@@ -8277,12 +8277,27 @@
           <a:p>
             <a:pPr rtl="0"/>
             <a:r>
-              <a:rPr lang="zh-CN" altLang="en-US" dirty="0" smtClean="0">
+              <a:rPr lang="zh-CN" altLang="en-US" smtClean="0">
                 <a:latin typeface="Arial" panose="020B0604020202020204" pitchFamily="34" charset="0"/>
                 <a:ea typeface="微软雅黑" panose="020B0503020204020204" pitchFamily="34" charset="-122"/>
                 <a:sym typeface="Arial" panose="020B0604020202020204" pitchFamily="34" charset="0"/>
               </a:rPr>
-              <a:t>第四节 </a:t>
+              <a:t>第</a:t>
+            </a:r>
+            <a:r>
+              <a:rPr lang="zh-CN" altLang="en-US">
+                <a:latin typeface="Arial" panose="020B0604020202020204" pitchFamily="34" charset="0"/>
+                <a:sym typeface="Arial" panose="020B0604020202020204" pitchFamily="34" charset="0"/>
+              </a:rPr>
+              <a:t>四</a:t>
+            </a:r>
+            <a:r>
+              <a:rPr lang="zh-CN" altLang="en-US" smtClean="0">
+                <a:latin typeface="Arial" panose="020B0604020202020204" pitchFamily="34" charset="0"/>
+                <a:ea typeface="微软雅黑" panose="020B0503020204020204" pitchFamily="34" charset="-122"/>
+                <a:sym typeface="Arial" panose="020B0604020202020204" pitchFamily="34" charset="0"/>
+              </a:rPr>
+              <a:t>节 </a:t>
             </a:r>
             <a:r>
               <a:rPr lang="zh-CN" altLang="en-US" dirty="0" smtClean="0">
@@ -13490,13 +13505,13 @@
 
 <file path=customXml/item2.xml><?xml version="1.0" encoding="utf-8"?>
 <Control xmlns="http://schemas.microsoft.com/VisualStudio/2011/storyboarding/control">
-  <Id Name="System.Storyboarding.Annotation.StickyNote" Revision="1" Stencil="System.Storyboarding.Annotation" StencilVersion="0.1"/>
+  <Id Name="System.Storyboarding.WindowsApps.WindowsAppsProgressRing" Revision="1" Stencil="System.Storyboarding.WindowsApps" StencilVersion="0.1"/>
 </Control>
 </file>
 
 <file path=customXml/item3.xml><?xml version="1.0" encoding="utf-8"?>
 <Control xmlns="http://schemas.microsoft.com/VisualStudio/2011/storyboarding/control">
-  <Id Name="System.Storyboarding.WindowsApps.WindowsAppsProgressRing" Revision="1" Stencil="System.Storyboarding.WindowsApps" StencilVersion="0.1"/>
+  <Id Name="5e505f8e-b0aa-429a-bb4c-92ab0e8a8ee6" RevisionId="d2083f08-ba4f-4330-87aa-e4d23a4443d7" Stencil="172d6d98-e5c9-42e9-a209-79f7a94bbd38" StencilRevisionId="00000000-0000-0000-0000-000000000000" StencilVersion="0.0"/>
 </Control>
 </file>
 
@@ -13513,6 +13528,18 @@
 </file>
 
 <file path=customXml/item6.xml><?xml version="1.0" encoding="utf-8"?>
+<Control xmlns="http://schemas.microsoft.com/VisualStudio/2011/storyboarding/control">
+  <Id Name="System.Storyboarding.Annotation.StickyNote" Revision="1" Stencil="System.Storyboarding.Annotation" StencilVersion="0.1"/>
+</Control>
+</file>
+
+<file path=customXml/item7.xml><?xml version="1.0" encoding="utf-8"?>
+<Control xmlns="http://schemas.microsoft.com/VisualStudio/2011/storyboarding/control">
+  <Id Name="System.Storyboarding.Common.DragSelection" Revision="1" Stencil="System.Storyboarding.Common" StencilVersion="0.1"/>
+</Control>
+</file>
+
+<file path=customXml/item8.xml><?xml version="1.0" encoding="utf-8"?>
 <p:properties xmlns:p="http://schemas.microsoft.com/office/2006/metadata/properties" xmlns:xsi="http://www.w3.org/2001/XMLSchema-instance" xmlns:pc="http://schemas.microsoft.com/office/infopath/2007/PartnerControls">
   <documentManagement>
     <_dlc_DocId xmlns="b4ebf394-daf6-497a-96c5-a2f8c10b38cf">TT6HZDVJM2HV-178-321</_dlc_DocId>
@@ -13524,18 +13551,6 @@
 </p:properties>
 </file>
 
-<file path=customXml/item7.xml><?xml version="1.0" encoding="utf-8"?>
-<Control xmlns="http://schemas.microsoft.com/VisualStudio/2011/storyboarding/control">
-  <Id Name="System.Storyboarding.Common.DragSelection" Revision="1" Stencil="System.Storyboarding.Common" StencilVersion="0.1"/>
-</Control>
-</file>
-
-<file path=customXml/item8.xml><?xml version="1.0" encoding="utf-8"?>
-<Control xmlns="http://schemas.microsoft.com/VisualStudio/2011/storyboarding/control">
-  <Id Name="5e505f8e-b0aa-429a-bb4c-92ab0e8a8ee6" RevisionId="d2083f08-ba4f-4330-87aa-e4d23a4443d7" Stencil="172d6d98-e5c9-42e9-a209-79f7a94bbd38" StencilRevisionId="00000000-0000-0000-0000-000000000000" StencilVersion="0.0"/>
-</Control>
-</file>
-
 <file path=customXml/itemProps1.xml><?xml version="1.0" encoding="utf-8"?>
 <ds:datastoreItem xmlns:ds="http://schemas.openxmlformats.org/officeDocument/2006/customXml" ds:itemID="{195C3A57-25C5-4CAC-A396-8711CE839175}">
   <ds:schemaRefs>
@@ -13545,7 +13560,7 @@
 </file>
 
 <file path=customXml/itemProps2.xml><?xml version="1.0" encoding="utf-8"?>
-<ds:datastoreItem xmlns:ds="http://schemas.openxmlformats.org/officeDocument/2006/customXml" ds:itemID="{C83C598A-8CB1-49BE-A132-CFCF837BD013}">
+<ds:datastoreItem xmlns:ds="http://schemas.openxmlformats.org/officeDocument/2006/customXml" ds:itemID="{EE994FE8-9D1B-4C75-9803-F4D3D8088B5B}">
   <ds:schemaRefs>
     <ds:schemaRef ds:uri="http://schemas.microsoft.com/VisualStudio/2011/storyboarding/control"/>
   </ds:schemaRefs>
@@ -13553,7 +13568,7 @@
 </file>
 
 <file path=customXml/itemProps3.xml><?xml version="1.0" encoding="utf-8"?>
-<ds:datastoreItem xmlns:ds="http://schemas.openxmlformats.org/officeDocument/2006/customXml" ds:itemID="{EE994FE8-9D1B-4C75-9803-F4D3D8088B5B}">
+<ds:datastoreItem xmlns:ds="http://schemas.openxmlformats.org/officeDocument/2006/customXml" ds:itemID="{22271091-DDCE-44B5-B608-BB96BCA0C299}">
   <ds:schemaRefs>
     <ds:schemaRef ds:uri="http://schemas.microsoft.com/VisualStudio/2011/storyboarding/control"/>
   </ds:schemaRefs>
@@ -13569,7 +13584,7 @@
 </file>
 
 <file path=customXml/itemProps5.xml><?xml version="1.0" encoding="utf-8"?>
-<ds:datastoreItem xmlns:ds="http://schemas.openxmlformats.org/officeDocument/2006/customXml" ds:itemID="{35CD12A2-2187-402A-B9D9-EF68624DB0B9}">
+<ds:datastoreItem xmlns:ds="http://schemas.openxmlformats.org/officeDocument/2006/customXml" ds:itemID="{C83C598A-8CB1-49BE-A132-CFCF837BD013}">
   <ds:schemaRefs>
     <ds:schemaRef ds:uri="http://schemas.microsoft.com/VisualStudio/2011/storyboarding/control"/>
   </ds:schemaRefs>
@@ -13577,11 +13592,9 @@
 </file>
 
 <file path=customXml/itemProps6.xml><?xml version="1.0" encoding="utf-8"?>
-<ds:datastoreItem xmlns:ds="http://schemas.openxmlformats.org/officeDocument/2006/customXml" ds:itemID="{1322E1B6-B69B-4B1E-9F64-FFB1E4A65691}">
+<ds:datastoreItem xmlns:ds="http://schemas.openxmlformats.org/officeDocument/2006/customXml" ds:itemID="{35CD12A2-2187-402A-B9D9-EF68624DB0B9}">
   <ds:schemaRefs>
-    <ds:schemaRef ds:uri="http://schemas.microsoft.com/office/2006/metadata/properties"/>
-    <ds:schemaRef ds:uri="http://schemas.microsoft.com/office/infopath/2007/PartnerControls"/>
-    <ds:schemaRef ds:uri="b4ebf394-daf6-497a-96c5-a2f8c10b38cf"/>
+    <ds:schemaRef ds:uri="http://schemas.microsoft.com/VisualStudio/2011/storyboarding/control"/>
   </ds:schemaRefs>
 </ds:datastoreItem>
 </file>
@@ -13595,9 +13608,11 @@
 </file>
 
 <file path=customXml/itemProps8.xml><?xml version="1.0" encoding="utf-8"?>
-<ds:datastoreItem xmlns:ds="http://schemas.openxmlformats.org/officeDocument/2006/customXml" ds:itemID="{22271091-DDCE-44B5-B608-BB96BCA0C299}">
+<ds:datastoreItem xmlns:ds="http://schemas.openxmlformats.org/officeDocument/2006/customXml" ds:itemID="{1322E1B6-B69B-4B1E-9F64-FFB1E4A65691}">
   <ds:schemaRefs>
-    <ds:schemaRef ds:uri="http://schemas.microsoft.com/VisualStudio/2011/storyboarding/control"/>
+    <ds:schemaRef ds:uri="http://schemas.microsoft.com/office/2006/metadata/properties"/>
+    <ds:schemaRef ds:uri="http://schemas.microsoft.com/office/infopath/2007/PartnerControls"/>
+    <ds:schemaRef ds:uri="b4ebf394-daf6-497a-96c5-a2f8c10b38cf"/>
   </ds:schemaRefs>
 </ds:datastoreItem>
 </file>